--- a/[DSIS] 03-CSS.pptx
+++ b/[DSIS] 03-CSS.pptx
@@ -471,6 +471,90 @@
 </file>
 
 <file path=ppt/notesSlides/notesSlide1.xml><?xml version="1.0" encoding="utf-8"?>
+<p:notes xmlns:a="http://schemas.openxmlformats.org/drawingml/2006/main" xmlns:r="http://schemas.openxmlformats.org/officeDocument/2006/relationships" xmlns:p="http://schemas.openxmlformats.org/presentationml/2006/main">
+  <p:cSld>
+    <p:spTree>
+      <p:nvGrpSpPr>
+        <p:cNvPr id="1" name=""/>
+        <p:cNvGrpSpPr/>
+        <p:nvPr/>
+      </p:nvGrpSpPr>
+      <p:grpSpPr>
+        <a:xfrm>
+          <a:off x="0" y="0"/>
+          <a:ext cx="0" cy="0"/>
+          <a:chOff x="0" y="0"/>
+          <a:chExt cx="0" cy="0"/>
+        </a:xfrm>
+      </p:grpSpPr>
+      <p:sp>
+        <p:nvSpPr>
+          <p:cNvPr id="2" name="슬라이드 이미지 개체 틀 1"/>
+          <p:cNvSpPr>
+            <a:spLocks noGrp="1" noRot="1" noChangeAspect="1"/>
+          </p:cNvSpPr>
+          <p:nvPr>
+            <p:ph type="sldImg"/>
+          </p:nvPr>
+        </p:nvSpPr>
+        <p:spPr/>
+      </p:sp>
+      <p:sp>
+        <p:nvSpPr>
+          <p:cNvPr id="3" name="슬라이드 노트 개체 틀 2"/>
+          <p:cNvSpPr>
+            <a:spLocks noGrp="1"/>
+          </p:cNvSpPr>
+          <p:nvPr>
+            <p:ph type="body" idx="1"/>
+          </p:nvPr>
+        </p:nvSpPr>
+        <p:spPr/>
+        <p:txBody>
+          <a:bodyPr/>
+          <a:lstStyle/>
+          <a:p>
+            <a:endParaRPr lang="en-US" altLang="ko-KR" dirty="0"/>
+          </a:p>
+        </p:txBody>
+      </p:sp>
+      <p:sp>
+        <p:nvSpPr>
+          <p:cNvPr id="4" name="슬라이드 번호 개체 틀 3"/>
+          <p:cNvSpPr>
+            <a:spLocks noGrp="1"/>
+          </p:cNvSpPr>
+          <p:nvPr>
+            <p:ph type="sldNum" sz="quarter" idx="5"/>
+          </p:nvPr>
+        </p:nvSpPr>
+        <p:spPr/>
+        <p:txBody>
+          <a:bodyPr/>
+          <a:lstStyle/>
+          <a:p>
+            <a:fld id="{C4FFB143-B696-448C-920C-6143D325554E}" type="slidenum">
+              <a:rPr lang="ko-KR" altLang="en-US" smtClean="0"/>
+              <a:t>2</a:t>
+            </a:fld>
+            <a:endParaRPr lang="ko-KR" altLang="en-US"/>
+          </a:p>
+        </p:txBody>
+      </p:sp>
+    </p:spTree>
+    <p:extLst>
+      <p:ext uri="{BB962C8B-B14F-4D97-AF65-F5344CB8AC3E}">
+        <p14:creationId xmlns:p14="http://schemas.microsoft.com/office/powerpoint/2010/main" val="3284151765"/>
+      </p:ext>
+    </p:extLst>
+  </p:cSld>
+  <p:clrMapOvr>
+    <a:masterClrMapping/>
+  </p:clrMapOvr>
+</p:notes>
+</file>
+
+<file path=ppt/notesSlides/notesSlide2.xml><?xml version="1.0" encoding="utf-8"?>
 <p:notes xmlns:a="http://schemas.openxmlformats.org/drawingml/2006/main" xmlns:r="http://schemas.openxmlformats.org/officeDocument/2006/relationships" xmlns:p="http://schemas.openxmlformats.org/presentationml/2006/main">
   <p:cSld>
     <p:spTree>
@@ -9197,8 +9281,8 @@
         </p:nvSpPr>
         <p:spPr>
           <a:xfrm>
-            <a:off x="559803" y="1359723"/>
-            <a:ext cx="957313" cy="369332"/>
+            <a:off x="371232" y="1245423"/>
+            <a:ext cx="7537641" cy="701410"/>
           </a:xfrm>
           <a:prstGeom prst="rect">
             <a:avLst/>
@@ -9211,31 +9295,227 @@
           </a:bodyPr>
           <a:lstStyle/>
           <a:p>
-            <a:r>
-              <a:rPr lang="en-US" altLang="ko-KR" dirty="0">
-                <a:latin typeface="Pretendard SemiBold" panose="02000703000000020004" pitchFamily="50" charset="-127"/>
-                <a:ea typeface="Pretendard SemiBold" panose="02000703000000020004" pitchFamily="50" charset="-127"/>
-                <a:cs typeface="Pretendard SemiBold" panose="02000703000000020004" pitchFamily="50" charset="-127"/>
-              </a:rPr>
-              <a:t>CSS</a:t>
-            </a:r>
-            <a:r>
-              <a:rPr lang="ko-KR" altLang="en-US" dirty="0">
-                <a:latin typeface="Pretendard SemiBold" panose="02000703000000020004" pitchFamily="50" charset="-127"/>
-                <a:ea typeface="Pretendard SemiBold" panose="02000703000000020004" pitchFamily="50" charset="-127"/>
-                <a:cs typeface="Pretendard SemiBold" panose="02000703000000020004" pitchFamily="50" charset="-127"/>
-              </a:rPr>
-              <a:t>란</a:t>
-            </a:r>
-            <a:r>
-              <a:rPr lang="en-US" altLang="ko-KR" dirty="0">
-                <a:latin typeface="Pretendard SemiBold" panose="02000703000000020004" pitchFamily="50" charset="-127"/>
-                <a:ea typeface="Pretendard SemiBold" panose="02000703000000020004" pitchFamily="50" charset="-127"/>
-                <a:cs typeface="Pretendard SemiBold" panose="02000703000000020004" pitchFamily="50" charset="-127"/>
-              </a:rPr>
-              <a:t>?</a:t>
-            </a:r>
-            <a:endParaRPr lang="ko-KR" altLang="en-US" dirty="0">
+            <a:pPr marL="285750" indent="-285750">
+              <a:lnSpc>
+                <a:spcPct val="150000"/>
+              </a:lnSpc>
+              <a:buFontTx/>
+              <a:buChar char="-"/>
+            </a:pPr>
+            <a:r>
+              <a:rPr lang="ko-KR" altLang="en-US" sz="1400" dirty="0">
+                <a:latin typeface="Pretendard SemiBold" panose="02000703000000020004" pitchFamily="50" charset="-127"/>
+                <a:ea typeface="Pretendard SemiBold" panose="02000703000000020004" pitchFamily="50" charset="-127"/>
+                <a:cs typeface="Pretendard SemiBold" panose="02000703000000020004" pitchFamily="50" charset="-127"/>
+              </a:rPr>
+              <a:t>이전에 작성했던 자기소개 페이지 </a:t>
+            </a:r>
+            <a:r>
+              <a:rPr lang="en-US" altLang="ko-KR" sz="1400" dirty="0">
+                <a:latin typeface="Pretendard SemiBold" panose="02000703000000020004" pitchFamily="50" charset="-127"/>
+                <a:ea typeface="Pretendard SemiBold" panose="02000703000000020004" pitchFamily="50" charset="-127"/>
+                <a:cs typeface="Pretendard SemiBold" panose="02000703000000020004" pitchFamily="50" charset="-127"/>
+              </a:rPr>
+              <a:t>React</a:t>
+            </a:r>
+            <a:r>
+              <a:rPr lang="ko-KR" altLang="en-US" sz="1400" dirty="0">
+                <a:latin typeface="Pretendard SemiBold" panose="02000703000000020004" pitchFamily="50" charset="-127"/>
+                <a:ea typeface="Pretendard SemiBold" panose="02000703000000020004" pitchFamily="50" charset="-127"/>
+                <a:cs typeface="Pretendard SemiBold" panose="02000703000000020004" pitchFamily="50" charset="-127"/>
+              </a:rPr>
+              <a:t>로 옮기기 </a:t>
+            </a:r>
+            <a:r>
+              <a:rPr lang="en-US" altLang="ko-KR" sz="1400" dirty="0">
+                <a:latin typeface="Pretendard SemiBold" panose="02000703000000020004" pitchFamily="50" charset="-127"/>
+                <a:ea typeface="Pretendard SemiBold" panose="02000703000000020004" pitchFamily="50" charset="-127"/>
+                <a:cs typeface="Pretendard SemiBold" panose="02000703000000020004" pitchFamily="50" charset="-127"/>
+              </a:rPr>
+              <a:t>(</a:t>
+            </a:r>
+            <a:r>
+              <a:rPr lang="ko-KR" altLang="en-US" sz="1400" dirty="0">
+                <a:latin typeface="Pretendard SemiBold" panose="02000703000000020004" pitchFamily="50" charset="-127"/>
+                <a:ea typeface="Pretendard SemiBold" panose="02000703000000020004" pitchFamily="50" charset="-127"/>
+                <a:cs typeface="Pretendard SemiBold" panose="02000703000000020004" pitchFamily="50" charset="-127"/>
+              </a:rPr>
+              <a:t>직접 해보기</a:t>
+            </a:r>
+            <a:r>
+              <a:rPr lang="en-US" altLang="ko-KR" sz="1400" dirty="0">
+                <a:latin typeface="Pretendard SemiBold" panose="02000703000000020004" pitchFamily="50" charset="-127"/>
+                <a:ea typeface="Pretendard SemiBold" panose="02000703000000020004" pitchFamily="50" charset="-127"/>
+                <a:cs typeface="Pretendard SemiBold" panose="02000703000000020004" pitchFamily="50" charset="-127"/>
+              </a:rPr>
+              <a:t>)</a:t>
+            </a:r>
+          </a:p>
+          <a:p>
+            <a:pPr marL="285750" indent="-285750">
+              <a:lnSpc>
+                <a:spcPct val="150000"/>
+              </a:lnSpc>
+              <a:buFontTx/>
+              <a:buChar char="-"/>
+            </a:pPr>
+            <a:r>
+              <a:rPr lang="en-US" altLang="ko-KR" sz="1400" dirty="0" err="1">
+                <a:latin typeface="Pretendard SemiBold" panose="02000703000000020004" pitchFamily="50" charset="-127"/>
+                <a:ea typeface="Pretendard SemiBold" panose="02000703000000020004" pitchFamily="50" charset="-127"/>
+                <a:cs typeface="Pretendard SemiBold" panose="02000703000000020004" pitchFamily="50" charset="-127"/>
+              </a:rPr>
+              <a:t>css</a:t>
+            </a:r>
+            <a:r>
+              <a:rPr lang="en-US" altLang="ko-KR" sz="1400" dirty="0">
+                <a:latin typeface="Pretendard SemiBold" panose="02000703000000020004" pitchFamily="50" charset="-127"/>
+                <a:ea typeface="Pretendard SemiBold" panose="02000703000000020004" pitchFamily="50" charset="-127"/>
+                <a:cs typeface="Pretendard SemiBold" panose="02000703000000020004" pitchFamily="50" charset="-127"/>
+              </a:rPr>
+              <a:t> </a:t>
+            </a:r>
+            <a:r>
+              <a:rPr lang="ko-KR" altLang="en-US" sz="1400" dirty="0">
+                <a:latin typeface="Pretendard SemiBold" panose="02000703000000020004" pitchFamily="50" charset="-127"/>
+                <a:ea typeface="Pretendard SemiBold" panose="02000703000000020004" pitchFamily="50" charset="-127"/>
+                <a:cs typeface="Pretendard SemiBold" panose="02000703000000020004" pitchFamily="50" charset="-127"/>
+              </a:rPr>
+              <a:t>파일 작성해서 내 소개 페이지 스타일 적용하기 </a:t>
+            </a:r>
+            <a:r>
+              <a:rPr lang="en-US" altLang="ko-KR" sz="1400" dirty="0">
+                <a:latin typeface="Pretendard SemiBold" panose="02000703000000020004" pitchFamily="50" charset="-127"/>
+                <a:ea typeface="Pretendard SemiBold" panose="02000703000000020004" pitchFamily="50" charset="-127"/>
+                <a:cs typeface="Pretendard SemiBold" panose="02000703000000020004" pitchFamily="50" charset="-127"/>
+              </a:rPr>
+              <a:t>(GPT </a:t>
+            </a:r>
+            <a:r>
+              <a:rPr lang="ko-KR" altLang="en-US" sz="1400" dirty="0">
+                <a:latin typeface="Pretendard SemiBold" panose="02000703000000020004" pitchFamily="50" charset="-127"/>
+                <a:ea typeface="Pretendard SemiBold" panose="02000703000000020004" pitchFamily="50" charset="-127"/>
+                <a:cs typeface="Pretendard SemiBold" panose="02000703000000020004" pitchFamily="50" charset="-127"/>
+              </a:rPr>
+              <a:t>사용해도 됨 </a:t>
+            </a:r>
+            <a:r>
+              <a:rPr lang="en-US" altLang="ko-KR" sz="1400" dirty="0">
+                <a:latin typeface="Pretendard SemiBold" panose="02000703000000020004" pitchFamily="50" charset="-127"/>
+                <a:ea typeface="Pretendard SemiBold" panose="02000703000000020004" pitchFamily="50" charset="-127"/>
+                <a:cs typeface="Pretendard SemiBold" panose="02000703000000020004" pitchFamily="50" charset="-127"/>
+              </a:rPr>
+              <a:t>-&gt; </a:t>
+            </a:r>
+            <a:r>
+              <a:rPr lang="ko-KR" altLang="en-US" sz="1400" dirty="0">
+                <a:latin typeface="Pretendard SemiBold" panose="02000703000000020004" pitchFamily="50" charset="-127"/>
+                <a:ea typeface="Pretendard SemiBold" panose="02000703000000020004" pitchFamily="50" charset="-127"/>
+                <a:cs typeface="Pretendard SemiBold" panose="02000703000000020004" pitchFamily="50" charset="-127"/>
+              </a:rPr>
+              <a:t>당연히 본인이 이해해야 함</a:t>
+            </a:r>
+            <a:r>
+              <a:rPr lang="en-US" altLang="ko-KR" sz="1400" dirty="0">
+                <a:latin typeface="Pretendard SemiBold" panose="02000703000000020004" pitchFamily="50" charset="-127"/>
+                <a:ea typeface="Pretendard SemiBold" panose="02000703000000020004" pitchFamily="50" charset="-127"/>
+                <a:cs typeface="Pretendard SemiBold" panose="02000703000000020004" pitchFamily="50" charset="-127"/>
+              </a:rPr>
+              <a:t>)</a:t>
+            </a:r>
+          </a:p>
+        </p:txBody>
+      </p:sp>
+      <p:sp>
+        <p:nvSpPr>
+          <p:cNvPr id="3" name="TextBox 2">
+            <a:extLst>
+              <a:ext uri="{FF2B5EF4-FFF2-40B4-BE49-F238E27FC236}">
+                <a16:creationId xmlns:a16="http://schemas.microsoft.com/office/drawing/2014/main" id="{D2F127C5-E3D9-1329-63C1-FE08EE21EEE5}"/>
+              </a:ext>
+            </a:extLst>
+          </p:cNvPr>
+          <p:cNvSpPr txBox="1"/>
+          <p:nvPr/>
+        </p:nvSpPr>
+        <p:spPr>
+          <a:xfrm>
+            <a:off x="2772012" y="5253382"/>
+            <a:ext cx="6647975" cy="378245"/>
+          </a:xfrm>
+          <a:prstGeom prst="rect">
+            <a:avLst/>
+          </a:prstGeom>
+          <a:noFill/>
+        </p:spPr>
+        <p:txBody>
+          <a:bodyPr wrap="none" rtlCol="0">
+            <a:spAutoFit/>
+          </a:bodyPr>
+          <a:lstStyle/>
+          <a:p>
+            <a:pPr algn="ctr">
+              <a:lnSpc>
+                <a:spcPct val="150000"/>
+              </a:lnSpc>
+            </a:pPr>
+            <a:r>
+              <a:rPr lang="en-US" altLang="ko-KR" sz="1400" dirty="0" err="1">
+                <a:latin typeface="Pretendard SemiBold" panose="02000703000000020004" pitchFamily="50" charset="-127"/>
+                <a:ea typeface="Pretendard SemiBold" panose="02000703000000020004" pitchFamily="50" charset="-127"/>
+                <a:cs typeface="Pretendard SemiBold" panose="02000703000000020004" pitchFamily="50" charset="-127"/>
+              </a:rPr>
+              <a:t>css</a:t>
+            </a:r>
+            <a:r>
+              <a:rPr lang="en-US" altLang="ko-KR" sz="1400" dirty="0">
+                <a:latin typeface="Pretendard SemiBold" panose="02000703000000020004" pitchFamily="50" charset="-127"/>
+                <a:ea typeface="Pretendard SemiBold" panose="02000703000000020004" pitchFamily="50" charset="-127"/>
+                <a:cs typeface="Pretendard SemiBold" panose="02000703000000020004" pitchFamily="50" charset="-127"/>
+              </a:rPr>
+              <a:t> </a:t>
+            </a:r>
+            <a:r>
+              <a:rPr lang="ko-KR" altLang="en-US" sz="1400" dirty="0">
+                <a:latin typeface="Pretendard SemiBold" panose="02000703000000020004" pitchFamily="50" charset="-127"/>
+                <a:ea typeface="Pretendard SemiBold" panose="02000703000000020004" pitchFamily="50" charset="-127"/>
+                <a:cs typeface="Pretendard SemiBold" panose="02000703000000020004" pitchFamily="50" charset="-127"/>
+              </a:rPr>
+              <a:t>문법을 이해하는 것 보다는 </a:t>
+            </a:r>
+            <a:r>
+              <a:rPr lang="en-US" altLang="ko-KR" sz="1400" dirty="0">
+                <a:latin typeface="Pretendard SemiBold" panose="02000703000000020004" pitchFamily="50" charset="-127"/>
+                <a:ea typeface="Pretendard SemiBold" panose="02000703000000020004" pitchFamily="50" charset="-127"/>
+                <a:cs typeface="Pretendard SemiBold" panose="02000703000000020004" pitchFamily="50" charset="-127"/>
+              </a:rPr>
+              <a:t>React</a:t>
+            </a:r>
+            <a:r>
+              <a:rPr lang="ko-KR" altLang="en-US" sz="1400" dirty="0">
+                <a:latin typeface="Pretendard SemiBold" panose="02000703000000020004" pitchFamily="50" charset="-127"/>
+                <a:ea typeface="Pretendard SemiBold" panose="02000703000000020004" pitchFamily="50" charset="-127"/>
+                <a:cs typeface="Pretendard SemiBold" panose="02000703000000020004" pitchFamily="50" charset="-127"/>
+              </a:rPr>
+              <a:t>에서 </a:t>
+            </a:r>
+            <a:r>
+              <a:rPr lang="en-US" altLang="ko-KR" sz="1400" dirty="0" err="1">
+                <a:latin typeface="Pretendard SemiBold" panose="02000703000000020004" pitchFamily="50" charset="-127"/>
+                <a:ea typeface="Pretendard SemiBold" panose="02000703000000020004" pitchFamily="50" charset="-127"/>
+                <a:cs typeface="Pretendard SemiBold" panose="02000703000000020004" pitchFamily="50" charset="-127"/>
+              </a:rPr>
+              <a:t>css</a:t>
+            </a:r>
+            <a:r>
+              <a:rPr lang="ko-KR" altLang="en-US" sz="1400" dirty="0">
+                <a:latin typeface="Pretendard SemiBold" panose="02000703000000020004" pitchFamily="50" charset="-127"/>
+                <a:ea typeface="Pretendard SemiBold" panose="02000703000000020004" pitchFamily="50" charset="-127"/>
+                <a:cs typeface="Pretendard SemiBold" panose="02000703000000020004" pitchFamily="50" charset="-127"/>
+              </a:rPr>
+              <a:t>가 어떻게 적용되는지를 중점으로 실습해보기</a:t>
+            </a:r>
+            <a:endParaRPr lang="en-US" altLang="ko-KR" sz="1400" dirty="0">
               <a:latin typeface="Pretendard SemiBold" panose="02000703000000020004" pitchFamily="50" charset="-127"/>
               <a:ea typeface="Pretendard SemiBold" panose="02000703000000020004" pitchFamily="50" charset="-127"/>
               <a:cs typeface="Pretendard SemiBold" panose="02000703000000020004" pitchFamily="50" charset="-127"/>

--- a/[DSIS] 03-CSS.pptx
+++ b/[DSIS] 03-CSS.pptx
@@ -9282,7 +9282,7 @@
         <p:spPr>
           <a:xfrm>
             <a:off x="371232" y="1245423"/>
-            <a:ext cx="7537641" cy="701410"/>
+            <a:ext cx="7537641" cy="1024576"/>
           </a:xfrm>
           <a:prstGeom prst="rect">
             <a:avLst/>
@@ -9423,6 +9423,52 @@
               </a:rPr>
               <a:t>)</a:t>
             </a:r>
+          </a:p>
+          <a:p>
+            <a:pPr marL="285750" indent="-285750">
+              <a:lnSpc>
+                <a:spcPct val="150000"/>
+              </a:lnSpc>
+              <a:buFontTx/>
+              <a:buChar char="-"/>
+            </a:pPr>
+            <a:r>
+              <a:rPr lang="en-US" altLang="ko-KR" sz="1400" dirty="0">
+                <a:latin typeface="Pretendard SemiBold" panose="02000703000000020004" pitchFamily="50" charset="-127"/>
+                <a:ea typeface="Pretendard SemiBold" panose="02000703000000020004" pitchFamily="50" charset="-127"/>
+                <a:cs typeface="Pretendard SemiBold" panose="02000703000000020004" pitchFamily="50" charset="-127"/>
+              </a:rPr>
+              <a:t>hover (</a:t>
+            </a:r>
+            <a:r>
+              <a:rPr lang="ko-KR" altLang="en-US" sz="1400" dirty="0">
+                <a:latin typeface="Pretendard SemiBold" panose="02000703000000020004" pitchFamily="50" charset="-127"/>
+                <a:ea typeface="Pretendard SemiBold" panose="02000703000000020004" pitchFamily="50" charset="-127"/>
+                <a:cs typeface="Pretendard SemiBold" panose="02000703000000020004" pitchFamily="50" charset="-127"/>
+              </a:rPr>
+              <a:t>마우스 올리면 스타일 바뀌는 거</a:t>
+            </a:r>
+            <a:r>
+              <a:rPr lang="en-US" altLang="ko-KR" sz="1400">
+                <a:latin typeface="Pretendard SemiBold" panose="02000703000000020004" pitchFamily="50" charset="-127"/>
+                <a:ea typeface="Pretendard SemiBold" panose="02000703000000020004" pitchFamily="50" charset="-127"/>
+                <a:cs typeface="Pretendard SemiBold" panose="02000703000000020004" pitchFamily="50" charset="-127"/>
+              </a:rPr>
+              <a:t>) </a:t>
+            </a:r>
+            <a:r>
+              <a:rPr lang="ko-KR" altLang="en-US" sz="1400">
+                <a:latin typeface="Pretendard SemiBold" panose="02000703000000020004" pitchFamily="50" charset="-127"/>
+                <a:ea typeface="Pretendard SemiBold" panose="02000703000000020004" pitchFamily="50" charset="-127"/>
+                <a:cs typeface="Pretendard SemiBold" panose="02000703000000020004" pitchFamily="50" charset="-127"/>
+              </a:rPr>
+              <a:t>해보기</a:t>
+            </a:r>
+            <a:endParaRPr lang="en-US" altLang="ko-KR" sz="1400">
+              <a:latin typeface="Pretendard SemiBold" panose="02000703000000020004" pitchFamily="50" charset="-127"/>
+              <a:ea typeface="Pretendard SemiBold" panose="02000703000000020004" pitchFamily="50" charset="-127"/>
+              <a:cs typeface="Pretendard SemiBold" panose="02000703000000020004" pitchFamily="50" charset="-127"/>
+            </a:endParaRPr>
           </a:p>
         </p:txBody>
       </p:sp>
